--- a/ppt 16-9/1185.基督化家庭.pptx
+++ b/ppt 16-9/1185.基督化家庭.pptx
@@ -129,7 +129,7 @@
           <p:cNvPr id="2" name="标题 1">
             <a:extLst>
               <a:ext uri="{FF2B5EF4-FFF2-40B4-BE49-F238E27FC236}">
-                <a16:creationId xmlns:a16="http://schemas.microsoft.com/office/drawing/2014/main" id="{96E39779-B998-9313-37D3-ACFB122EB70A}"/>
+                <a16:creationId xmlns:a16="http://schemas.microsoft.com/office/drawing/2014/main" id="{CFC0ABA8-6F4F-7D7F-E8B5-C056031FE4FE}"/>
               </a:ext>
             </a:extLst>
           </p:cNvPr>
@@ -166,7 +166,7 @@
           <p:cNvPr id="3" name="副标题 2">
             <a:extLst>
               <a:ext uri="{FF2B5EF4-FFF2-40B4-BE49-F238E27FC236}">
-                <a16:creationId xmlns:a16="http://schemas.microsoft.com/office/drawing/2014/main" id="{32AEA591-C27D-FA96-4068-5B456AD9CC48}"/>
+                <a16:creationId xmlns:a16="http://schemas.microsoft.com/office/drawing/2014/main" id="{487B29AC-1BF7-9371-CA43-FCE38EC722FE}"/>
               </a:ext>
             </a:extLst>
           </p:cNvPr>
@@ -236,7 +236,7 @@
           <p:cNvPr id="4" name="日期占位符 3">
             <a:extLst>
               <a:ext uri="{FF2B5EF4-FFF2-40B4-BE49-F238E27FC236}">
-                <a16:creationId xmlns:a16="http://schemas.microsoft.com/office/drawing/2014/main" id="{3B1C1F98-F42D-DB6E-4BDB-766E819954CD}"/>
+                <a16:creationId xmlns:a16="http://schemas.microsoft.com/office/drawing/2014/main" id="{D4B76765-C613-E2BE-F842-F1E7A93E9353}"/>
               </a:ext>
             </a:extLst>
           </p:cNvPr>
@@ -252,7 +252,7 @@
           <a:bodyPr/>
           <a:lstStyle/>
           <a:p>
-            <a:fld id="{6FF87839-4903-457B-B289-4D3DF7036218}" type="datetimeFigureOut">
+            <a:fld id="{B7B7556A-6764-4BAE-A0F0-2035F0CA0E24}" type="datetimeFigureOut">
               <a:rPr lang="zh-CN" altLang="en-US" smtClean="0"/>
               <a:t>2024/3/10</a:t>
             </a:fld>
@@ -265,7 +265,7 @@
           <p:cNvPr id="5" name="页脚占位符 4">
             <a:extLst>
               <a:ext uri="{FF2B5EF4-FFF2-40B4-BE49-F238E27FC236}">
-                <a16:creationId xmlns:a16="http://schemas.microsoft.com/office/drawing/2014/main" id="{A08CE531-9F29-4A81-1589-D58E204D5923}"/>
+                <a16:creationId xmlns:a16="http://schemas.microsoft.com/office/drawing/2014/main" id="{5E702C20-DADC-DFA7-0BD4-09D56508D0E0}"/>
               </a:ext>
             </a:extLst>
           </p:cNvPr>
@@ -290,7 +290,7 @@
           <p:cNvPr id="6" name="灯片编号占位符 5">
             <a:extLst>
               <a:ext uri="{FF2B5EF4-FFF2-40B4-BE49-F238E27FC236}">
-                <a16:creationId xmlns:a16="http://schemas.microsoft.com/office/drawing/2014/main" id="{DD09BB2F-B03D-8B37-8673-DBD678D26A8B}"/>
+                <a16:creationId xmlns:a16="http://schemas.microsoft.com/office/drawing/2014/main" id="{619B5C18-EE5C-B1DE-10FE-B3F5F89DCC46}"/>
               </a:ext>
             </a:extLst>
           </p:cNvPr>
@@ -306,7 +306,7 @@
           <a:bodyPr/>
           <a:lstStyle/>
           <a:p>
-            <a:fld id="{70DBA643-0F0A-45C7-9238-C98C9D21A448}" type="slidenum">
+            <a:fld id="{AC690AA7-5815-4FD6-8C21-071DE19DEE55}" type="slidenum">
               <a:rPr lang="zh-CN" altLang="en-US" smtClean="0"/>
               <a:t>‹#›</a:t>
             </a:fld>
@@ -317,7 +317,7 @@
     </p:spTree>
     <p:extLst>
       <p:ext uri="{BB962C8B-B14F-4D97-AF65-F5344CB8AC3E}">
-        <p14:creationId xmlns:p14="http://schemas.microsoft.com/office/powerpoint/2010/main" val="3569011551"/>
+        <p14:creationId xmlns:p14="http://schemas.microsoft.com/office/powerpoint/2010/main" val="2775915982"/>
       </p:ext>
     </p:extLst>
   </p:cSld>
@@ -349,7 +349,7 @@
           <p:cNvPr id="2" name="标题 1">
             <a:extLst>
               <a:ext uri="{FF2B5EF4-FFF2-40B4-BE49-F238E27FC236}">
-                <a16:creationId xmlns:a16="http://schemas.microsoft.com/office/drawing/2014/main" id="{658BE3AC-0C00-7AD0-4FBD-AAA3131B95F4}"/>
+                <a16:creationId xmlns:a16="http://schemas.microsoft.com/office/drawing/2014/main" id="{ABFEC8FF-D441-1FD8-CE86-D02EAFCB1464}"/>
               </a:ext>
             </a:extLst>
           </p:cNvPr>
@@ -377,7 +377,7 @@
           <p:cNvPr id="3" name="竖排文字占位符 2">
             <a:extLst>
               <a:ext uri="{FF2B5EF4-FFF2-40B4-BE49-F238E27FC236}">
-                <a16:creationId xmlns:a16="http://schemas.microsoft.com/office/drawing/2014/main" id="{41B173C7-C4AF-9970-1159-13BA699DC604}"/>
+                <a16:creationId xmlns:a16="http://schemas.microsoft.com/office/drawing/2014/main" id="{2D6935DF-0DAA-0DFF-5D7E-BC19B1EA718E}"/>
               </a:ext>
             </a:extLst>
           </p:cNvPr>
@@ -434,7 +434,7 @@
           <p:cNvPr id="4" name="日期占位符 3">
             <a:extLst>
               <a:ext uri="{FF2B5EF4-FFF2-40B4-BE49-F238E27FC236}">
-                <a16:creationId xmlns:a16="http://schemas.microsoft.com/office/drawing/2014/main" id="{8D4FFD08-2C28-4AFE-9512-7D7DF22010CD}"/>
+                <a16:creationId xmlns:a16="http://schemas.microsoft.com/office/drawing/2014/main" id="{E3DE90BE-21C6-32B6-15F1-90B763C46423}"/>
               </a:ext>
             </a:extLst>
           </p:cNvPr>
@@ -450,7 +450,7 @@
           <a:bodyPr/>
           <a:lstStyle/>
           <a:p>
-            <a:fld id="{6FF87839-4903-457B-B289-4D3DF7036218}" type="datetimeFigureOut">
+            <a:fld id="{B7B7556A-6764-4BAE-A0F0-2035F0CA0E24}" type="datetimeFigureOut">
               <a:rPr lang="zh-CN" altLang="en-US" smtClean="0"/>
               <a:t>2024/3/10</a:t>
             </a:fld>
@@ -463,7 +463,7 @@
           <p:cNvPr id="5" name="页脚占位符 4">
             <a:extLst>
               <a:ext uri="{FF2B5EF4-FFF2-40B4-BE49-F238E27FC236}">
-                <a16:creationId xmlns:a16="http://schemas.microsoft.com/office/drawing/2014/main" id="{CE4D242D-2FB9-288F-A077-6E5C7D7EAFB3}"/>
+                <a16:creationId xmlns:a16="http://schemas.microsoft.com/office/drawing/2014/main" id="{BF0DF4EF-7D37-E4AA-B476-CCD8BCE3EEA6}"/>
               </a:ext>
             </a:extLst>
           </p:cNvPr>
@@ -488,7 +488,7 @@
           <p:cNvPr id="6" name="灯片编号占位符 5">
             <a:extLst>
               <a:ext uri="{FF2B5EF4-FFF2-40B4-BE49-F238E27FC236}">
-                <a16:creationId xmlns:a16="http://schemas.microsoft.com/office/drawing/2014/main" id="{AAE2D786-456D-301B-46A5-C79574D00005}"/>
+                <a16:creationId xmlns:a16="http://schemas.microsoft.com/office/drawing/2014/main" id="{28F19DF3-7650-8ACA-6C31-AE7B9EF77EBB}"/>
               </a:ext>
             </a:extLst>
           </p:cNvPr>
@@ -504,7 +504,7 @@
           <a:bodyPr/>
           <a:lstStyle/>
           <a:p>
-            <a:fld id="{70DBA643-0F0A-45C7-9238-C98C9D21A448}" type="slidenum">
+            <a:fld id="{AC690AA7-5815-4FD6-8C21-071DE19DEE55}" type="slidenum">
               <a:rPr lang="zh-CN" altLang="en-US" smtClean="0"/>
               <a:t>‹#›</a:t>
             </a:fld>
@@ -515,7 +515,7 @@
     </p:spTree>
     <p:extLst>
       <p:ext uri="{BB962C8B-B14F-4D97-AF65-F5344CB8AC3E}">
-        <p14:creationId xmlns:p14="http://schemas.microsoft.com/office/powerpoint/2010/main" val="2299441421"/>
+        <p14:creationId xmlns:p14="http://schemas.microsoft.com/office/powerpoint/2010/main" val="1780790512"/>
       </p:ext>
     </p:extLst>
   </p:cSld>
@@ -547,7 +547,7 @@
           <p:cNvPr id="2" name="竖排标题 1">
             <a:extLst>
               <a:ext uri="{FF2B5EF4-FFF2-40B4-BE49-F238E27FC236}">
-                <a16:creationId xmlns:a16="http://schemas.microsoft.com/office/drawing/2014/main" id="{2964F154-D596-3A27-6B3C-AD560FFA32E0}"/>
+                <a16:creationId xmlns:a16="http://schemas.microsoft.com/office/drawing/2014/main" id="{FEA14C38-D33F-942A-1C18-DB994573591E}"/>
               </a:ext>
             </a:extLst>
           </p:cNvPr>
@@ -580,7 +580,7 @@
           <p:cNvPr id="3" name="竖排文字占位符 2">
             <a:extLst>
               <a:ext uri="{FF2B5EF4-FFF2-40B4-BE49-F238E27FC236}">
-                <a16:creationId xmlns:a16="http://schemas.microsoft.com/office/drawing/2014/main" id="{10CA173C-5576-4292-E2E9-49B02522CE6A}"/>
+                <a16:creationId xmlns:a16="http://schemas.microsoft.com/office/drawing/2014/main" id="{06E80FF2-7E9F-AFF3-0466-50A8E5A5FAA1}"/>
               </a:ext>
             </a:extLst>
           </p:cNvPr>
@@ -642,7 +642,7 @@
           <p:cNvPr id="4" name="日期占位符 3">
             <a:extLst>
               <a:ext uri="{FF2B5EF4-FFF2-40B4-BE49-F238E27FC236}">
-                <a16:creationId xmlns:a16="http://schemas.microsoft.com/office/drawing/2014/main" id="{29C6DD3A-E9FD-0B18-DA13-9E8295E55BD2}"/>
+                <a16:creationId xmlns:a16="http://schemas.microsoft.com/office/drawing/2014/main" id="{43BF7333-F046-EC2E-C7D1-B535FFA6195D}"/>
               </a:ext>
             </a:extLst>
           </p:cNvPr>
@@ -658,7 +658,7 @@
           <a:bodyPr/>
           <a:lstStyle/>
           <a:p>
-            <a:fld id="{6FF87839-4903-457B-B289-4D3DF7036218}" type="datetimeFigureOut">
+            <a:fld id="{B7B7556A-6764-4BAE-A0F0-2035F0CA0E24}" type="datetimeFigureOut">
               <a:rPr lang="zh-CN" altLang="en-US" smtClean="0"/>
               <a:t>2024/3/10</a:t>
             </a:fld>
@@ -671,7 +671,7 @@
           <p:cNvPr id="5" name="页脚占位符 4">
             <a:extLst>
               <a:ext uri="{FF2B5EF4-FFF2-40B4-BE49-F238E27FC236}">
-                <a16:creationId xmlns:a16="http://schemas.microsoft.com/office/drawing/2014/main" id="{6AB414B5-E120-1D0E-E644-899ACB7A614D}"/>
+                <a16:creationId xmlns:a16="http://schemas.microsoft.com/office/drawing/2014/main" id="{CBADA247-ED0D-C503-A411-11753AAC0AE7}"/>
               </a:ext>
             </a:extLst>
           </p:cNvPr>
@@ -696,7 +696,7 @@
           <p:cNvPr id="6" name="灯片编号占位符 5">
             <a:extLst>
               <a:ext uri="{FF2B5EF4-FFF2-40B4-BE49-F238E27FC236}">
-                <a16:creationId xmlns:a16="http://schemas.microsoft.com/office/drawing/2014/main" id="{0BC49420-6452-045E-929C-A712F138E09F}"/>
+                <a16:creationId xmlns:a16="http://schemas.microsoft.com/office/drawing/2014/main" id="{864FE9DF-8385-24A8-6562-1B182461541B}"/>
               </a:ext>
             </a:extLst>
           </p:cNvPr>
@@ -712,7 +712,7 @@
           <a:bodyPr/>
           <a:lstStyle/>
           <a:p>
-            <a:fld id="{70DBA643-0F0A-45C7-9238-C98C9D21A448}" type="slidenum">
+            <a:fld id="{AC690AA7-5815-4FD6-8C21-071DE19DEE55}" type="slidenum">
               <a:rPr lang="zh-CN" altLang="en-US" smtClean="0"/>
               <a:t>‹#›</a:t>
             </a:fld>
@@ -723,7 +723,7 @@
     </p:spTree>
     <p:extLst>
       <p:ext uri="{BB962C8B-B14F-4D97-AF65-F5344CB8AC3E}">
-        <p14:creationId xmlns:p14="http://schemas.microsoft.com/office/powerpoint/2010/main" val="916616575"/>
+        <p14:creationId xmlns:p14="http://schemas.microsoft.com/office/powerpoint/2010/main" val="754564601"/>
       </p:ext>
     </p:extLst>
   </p:cSld>
@@ -755,7 +755,7 @@
           <p:cNvPr id="2" name="标题 1">
             <a:extLst>
               <a:ext uri="{FF2B5EF4-FFF2-40B4-BE49-F238E27FC236}">
-                <a16:creationId xmlns:a16="http://schemas.microsoft.com/office/drawing/2014/main" id="{9F2F27FC-A65F-1D1B-DF38-A2BBFB70A7E4}"/>
+                <a16:creationId xmlns:a16="http://schemas.microsoft.com/office/drawing/2014/main" id="{A49D8A50-5736-12EF-7C7D-1DE58D7C67BA}"/>
               </a:ext>
             </a:extLst>
           </p:cNvPr>
@@ -783,7 +783,7 @@
           <p:cNvPr id="3" name="内容占位符 2">
             <a:extLst>
               <a:ext uri="{FF2B5EF4-FFF2-40B4-BE49-F238E27FC236}">
-                <a16:creationId xmlns:a16="http://schemas.microsoft.com/office/drawing/2014/main" id="{22BFA50D-41EF-9CB0-7A4C-19F005AC7E45}"/>
+                <a16:creationId xmlns:a16="http://schemas.microsoft.com/office/drawing/2014/main" id="{B7DB1131-7B2E-ECFB-C90A-B789B05A130F}"/>
               </a:ext>
             </a:extLst>
           </p:cNvPr>
@@ -840,7 +840,7 @@
           <p:cNvPr id="4" name="日期占位符 3">
             <a:extLst>
               <a:ext uri="{FF2B5EF4-FFF2-40B4-BE49-F238E27FC236}">
-                <a16:creationId xmlns:a16="http://schemas.microsoft.com/office/drawing/2014/main" id="{0B432D1C-F6AA-C7E2-BE86-F55C1DFEA376}"/>
+                <a16:creationId xmlns:a16="http://schemas.microsoft.com/office/drawing/2014/main" id="{6E96013B-0704-B9FB-095C-33792D06F1B9}"/>
               </a:ext>
             </a:extLst>
           </p:cNvPr>
@@ -856,7 +856,7 @@
           <a:bodyPr/>
           <a:lstStyle/>
           <a:p>
-            <a:fld id="{6FF87839-4903-457B-B289-4D3DF7036218}" type="datetimeFigureOut">
+            <a:fld id="{B7B7556A-6764-4BAE-A0F0-2035F0CA0E24}" type="datetimeFigureOut">
               <a:rPr lang="zh-CN" altLang="en-US" smtClean="0"/>
               <a:t>2024/3/10</a:t>
             </a:fld>
@@ -869,7 +869,7 @@
           <p:cNvPr id="5" name="页脚占位符 4">
             <a:extLst>
               <a:ext uri="{FF2B5EF4-FFF2-40B4-BE49-F238E27FC236}">
-                <a16:creationId xmlns:a16="http://schemas.microsoft.com/office/drawing/2014/main" id="{CC873A42-D486-D8BD-CAAD-4E2DE5ED6F4E}"/>
+                <a16:creationId xmlns:a16="http://schemas.microsoft.com/office/drawing/2014/main" id="{21008120-7EE3-236F-56D3-948BAC9A14C6}"/>
               </a:ext>
             </a:extLst>
           </p:cNvPr>
@@ -894,7 +894,7 @@
           <p:cNvPr id="6" name="灯片编号占位符 5">
             <a:extLst>
               <a:ext uri="{FF2B5EF4-FFF2-40B4-BE49-F238E27FC236}">
-                <a16:creationId xmlns:a16="http://schemas.microsoft.com/office/drawing/2014/main" id="{F716920A-08EB-307A-B120-92E7AA40D403}"/>
+                <a16:creationId xmlns:a16="http://schemas.microsoft.com/office/drawing/2014/main" id="{29F56CF7-2EBC-38C9-EE3D-695F482D64C2}"/>
               </a:ext>
             </a:extLst>
           </p:cNvPr>
@@ -910,7 +910,7 @@
           <a:bodyPr/>
           <a:lstStyle/>
           <a:p>
-            <a:fld id="{70DBA643-0F0A-45C7-9238-C98C9D21A448}" type="slidenum">
+            <a:fld id="{AC690AA7-5815-4FD6-8C21-071DE19DEE55}" type="slidenum">
               <a:rPr lang="zh-CN" altLang="en-US" smtClean="0"/>
               <a:t>‹#›</a:t>
             </a:fld>
@@ -921,7 +921,7 @@
     </p:spTree>
     <p:extLst>
       <p:ext uri="{BB962C8B-B14F-4D97-AF65-F5344CB8AC3E}">
-        <p14:creationId xmlns:p14="http://schemas.microsoft.com/office/powerpoint/2010/main" val="939407014"/>
+        <p14:creationId xmlns:p14="http://schemas.microsoft.com/office/powerpoint/2010/main" val="3255774870"/>
       </p:ext>
     </p:extLst>
   </p:cSld>
@@ -953,7 +953,7 @@
           <p:cNvPr id="2" name="标题 1">
             <a:extLst>
               <a:ext uri="{FF2B5EF4-FFF2-40B4-BE49-F238E27FC236}">
-                <a16:creationId xmlns:a16="http://schemas.microsoft.com/office/drawing/2014/main" id="{25A94689-C91A-FB14-5077-98539FF1344B}"/>
+                <a16:creationId xmlns:a16="http://schemas.microsoft.com/office/drawing/2014/main" id="{AF12A6A4-8B51-1D3C-2873-991259583212}"/>
               </a:ext>
             </a:extLst>
           </p:cNvPr>
@@ -990,7 +990,7 @@
           <p:cNvPr id="3" name="文本占位符 2">
             <a:extLst>
               <a:ext uri="{FF2B5EF4-FFF2-40B4-BE49-F238E27FC236}">
-                <a16:creationId xmlns:a16="http://schemas.microsoft.com/office/drawing/2014/main" id="{B0545A3D-9730-D794-7177-10173F172B7B}"/>
+                <a16:creationId xmlns:a16="http://schemas.microsoft.com/office/drawing/2014/main" id="{D117FDDB-E56F-5665-7A8E-D1BB65DE6F8D}"/>
               </a:ext>
             </a:extLst>
           </p:cNvPr>
@@ -1115,7 +1115,7 @@
           <p:cNvPr id="4" name="日期占位符 3">
             <a:extLst>
               <a:ext uri="{FF2B5EF4-FFF2-40B4-BE49-F238E27FC236}">
-                <a16:creationId xmlns:a16="http://schemas.microsoft.com/office/drawing/2014/main" id="{897DF35D-E521-99F2-B82E-5DA39F068BF9}"/>
+                <a16:creationId xmlns:a16="http://schemas.microsoft.com/office/drawing/2014/main" id="{AB7AF822-0DE0-E7CC-65E9-03E02B76DE66}"/>
               </a:ext>
             </a:extLst>
           </p:cNvPr>
@@ -1131,7 +1131,7 @@
           <a:bodyPr/>
           <a:lstStyle/>
           <a:p>
-            <a:fld id="{6FF87839-4903-457B-B289-4D3DF7036218}" type="datetimeFigureOut">
+            <a:fld id="{B7B7556A-6764-4BAE-A0F0-2035F0CA0E24}" type="datetimeFigureOut">
               <a:rPr lang="zh-CN" altLang="en-US" smtClean="0"/>
               <a:t>2024/3/10</a:t>
             </a:fld>
@@ -1144,7 +1144,7 @@
           <p:cNvPr id="5" name="页脚占位符 4">
             <a:extLst>
               <a:ext uri="{FF2B5EF4-FFF2-40B4-BE49-F238E27FC236}">
-                <a16:creationId xmlns:a16="http://schemas.microsoft.com/office/drawing/2014/main" id="{597937FF-D619-B94B-086E-370C7D097DAB}"/>
+                <a16:creationId xmlns:a16="http://schemas.microsoft.com/office/drawing/2014/main" id="{47A8CF75-F30C-C2AC-1087-7537A81A8297}"/>
               </a:ext>
             </a:extLst>
           </p:cNvPr>
@@ -1169,7 +1169,7 @@
           <p:cNvPr id="6" name="灯片编号占位符 5">
             <a:extLst>
               <a:ext uri="{FF2B5EF4-FFF2-40B4-BE49-F238E27FC236}">
-                <a16:creationId xmlns:a16="http://schemas.microsoft.com/office/drawing/2014/main" id="{B84C86B0-B93A-372F-34F8-74F8871D683E}"/>
+                <a16:creationId xmlns:a16="http://schemas.microsoft.com/office/drawing/2014/main" id="{4F35E351-0817-332A-1B5F-509F975ED8AA}"/>
               </a:ext>
             </a:extLst>
           </p:cNvPr>
@@ -1185,7 +1185,7 @@
           <a:bodyPr/>
           <a:lstStyle/>
           <a:p>
-            <a:fld id="{70DBA643-0F0A-45C7-9238-C98C9D21A448}" type="slidenum">
+            <a:fld id="{AC690AA7-5815-4FD6-8C21-071DE19DEE55}" type="slidenum">
               <a:rPr lang="zh-CN" altLang="en-US" smtClean="0"/>
               <a:t>‹#›</a:t>
             </a:fld>
@@ -1196,7 +1196,7 @@
     </p:spTree>
     <p:extLst>
       <p:ext uri="{BB962C8B-B14F-4D97-AF65-F5344CB8AC3E}">
-        <p14:creationId xmlns:p14="http://schemas.microsoft.com/office/powerpoint/2010/main" val="795439271"/>
+        <p14:creationId xmlns:p14="http://schemas.microsoft.com/office/powerpoint/2010/main" val="3892003600"/>
       </p:ext>
     </p:extLst>
   </p:cSld>
@@ -1228,7 +1228,7 @@
           <p:cNvPr id="2" name="标题 1">
             <a:extLst>
               <a:ext uri="{FF2B5EF4-FFF2-40B4-BE49-F238E27FC236}">
-                <a16:creationId xmlns:a16="http://schemas.microsoft.com/office/drawing/2014/main" id="{A8E6C6D0-A1E3-47CB-D38F-29721ED43E4E}"/>
+                <a16:creationId xmlns:a16="http://schemas.microsoft.com/office/drawing/2014/main" id="{4F7A4D91-9F1F-6E14-D4C7-4F0D5DB272AD}"/>
               </a:ext>
             </a:extLst>
           </p:cNvPr>
@@ -1256,7 +1256,7 @@
           <p:cNvPr id="3" name="内容占位符 2">
             <a:extLst>
               <a:ext uri="{FF2B5EF4-FFF2-40B4-BE49-F238E27FC236}">
-                <a16:creationId xmlns:a16="http://schemas.microsoft.com/office/drawing/2014/main" id="{1C887835-4D19-4EF9-345B-B3DFAE024FF2}"/>
+                <a16:creationId xmlns:a16="http://schemas.microsoft.com/office/drawing/2014/main" id="{131AD913-C934-7422-1F54-543E0B4E2304}"/>
               </a:ext>
             </a:extLst>
           </p:cNvPr>
@@ -1318,7 +1318,7 @@
           <p:cNvPr id="4" name="内容占位符 3">
             <a:extLst>
               <a:ext uri="{FF2B5EF4-FFF2-40B4-BE49-F238E27FC236}">
-                <a16:creationId xmlns:a16="http://schemas.microsoft.com/office/drawing/2014/main" id="{F338E1FE-22AF-AABB-0E95-72AAB77F5A79}"/>
+                <a16:creationId xmlns:a16="http://schemas.microsoft.com/office/drawing/2014/main" id="{E09C0561-F557-6BF0-40FB-AFB7976D8E5E}"/>
               </a:ext>
             </a:extLst>
           </p:cNvPr>
@@ -1380,7 +1380,7 @@
           <p:cNvPr id="5" name="日期占位符 4">
             <a:extLst>
               <a:ext uri="{FF2B5EF4-FFF2-40B4-BE49-F238E27FC236}">
-                <a16:creationId xmlns:a16="http://schemas.microsoft.com/office/drawing/2014/main" id="{E8A0E548-2699-C37B-CC92-2FBAC528FBFF}"/>
+                <a16:creationId xmlns:a16="http://schemas.microsoft.com/office/drawing/2014/main" id="{B8CB1D70-300F-DD01-5E29-0C8BDF52E297}"/>
               </a:ext>
             </a:extLst>
           </p:cNvPr>
@@ -1396,7 +1396,7 @@
           <a:bodyPr/>
           <a:lstStyle/>
           <a:p>
-            <a:fld id="{6FF87839-4903-457B-B289-4D3DF7036218}" type="datetimeFigureOut">
+            <a:fld id="{B7B7556A-6764-4BAE-A0F0-2035F0CA0E24}" type="datetimeFigureOut">
               <a:rPr lang="zh-CN" altLang="en-US" smtClean="0"/>
               <a:t>2024/3/10</a:t>
             </a:fld>
@@ -1409,7 +1409,7 @@
           <p:cNvPr id="6" name="页脚占位符 5">
             <a:extLst>
               <a:ext uri="{FF2B5EF4-FFF2-40B4-BE49-F238E27FC236}">
-                <a16:creationId xmlns:a16="http://schemas.microsoft.com/office/drawing/2014/main" id="{6A2977A6-6144-45BA-37BF-DA3B643232FB}"/>
+                <a16:creationId xmlns:a16="http://schemas.microsoft.com/office/drawing/2014/main" id="{C32CD618-7BD9-B33B-2D8C-A8478758E4EF}"/>
               </a:ext>
             </a:extLst>
           </p:cNvPr>
@@ -1434,7 +1434,7 @@
           <p:cNvPr id="7" name="灯片编号占位符 6">
             <a:extLst>
               <a:ext uri="{FF2B5EF4-FFF2-40B4-BE49-F238E27FC236}">
-                <a16:creationId xmlns:a16="http://schemas.microsoft.com/office/drawing/2014/main" id="{9AA58707-0A6E-C91C-9D6A-088AC17A2465}"/>
+                <a16:creationId xmlns:a16="http://schemas.microsoft.com/office/drawing/2014/main" id="{5FAD85E8-7391-5C20-7D5E-FECE7ACC5B7B}"/>
               </a:ext>
             </a:extLst>
           </p:cNvPr>
@@ -1450,7 +1450,7 @@
           <a:bodyPr/>
           <a:lstStyle/>
           <a:p>
-            <a:fld id="{70DBA643-0F0A-45C7-9238-C98C9D21A448}" type="slidenum">
+            <a:fld id="{AC690AA7-5815-4FD6-8C21-071DE19DEE55}" type="slidenum">
               <a:rPr lang="zh-CN" altLang="en-US" smtClean="0"/>
               <a:t>‹#›</a:t>
             </a:fld>
@@ -1461,7 +1461,7 @@
     </p:spTree>
     <p:extLst>
       <p:ext uri="{BB962C8B-B14F-4D97-AF65-F5344CB8AC3E}">
-        <p14:creationId xmlns:p14="http://schemas.microsoft.com/office/powerpoint/2010/main" val="3233815777"/>
+        <p14:creationId xmlns:p14="http://schemas.microsoft.com/office/powerpoint/2010/main" val="91394177"/>
       </p:ext>
     </p:extLst>
   </p:cSld>
@@ -1493,7 +1493,7 @@
           <p:cNvPr id="2" name="标题 1">
             <a:extLst>
               <a:ext uri="{FF2B5EF4-FFF2-40B4-BE49-F238E27FC236}">
-                <a16:creationId xmlns:a16="http://schemas.microsoft.com/office/drawing/2014/main" id="{F4DA423D-71C4-B9F5-FF07-1F334A1532EF}"/>
+                <a16:creationId xmlns:a16="http://schemas.microsoft.com/office/drawing/2014/main" id="{2C96B849-27FB-0B2F-95ED-944B9CC41A65}"/>
               </a:ext>
             </a:extLst>
           </p:cNvPr>
@@ -1526,7 +1526,7 @@
           <p:cNvPr id="3" name="文本占位符 2">
             <a:extLst>
               <a:ext uri="{FF2B5EF4-FFF2-40B4-BE49-F238E27FC236}">
-                <a16:creationId xmlns:a16="http://schemas.microsoft.com/office/drawing/2014/main" id="{38206BAA-A51A-C7DE-2888-03CA72E80F72}"/>
+                <a16:creationId xmlns:a16="http://schemas.microsoft.com/office/drawing/2014/main" id="{27C77D3C-106B-D732-8E2C-DAA72D546A4B}"/>
               </a:ext>
             </a:extLst>
           </p:cNvPr>
@@ -1597,7 +1597,7 @@
           <p:cNvPr id="4" name="内容占位符 3">
             <a:extLst>
               <a:ext uri="{FF2B5EF4-FFF2-40B4-BE49-F238E27FC236}">
-                <a16:creationId xmlns:a16="http://schemas.microsoft.com/office/drawing/2014/main" id="{3B34464C-3E7F-6DFC-1BC5-908C04ACC93B}"/>
+                <a16:creationId xmlns:a16="http://schemas.microsoft.com/office/drawing/2014/main" id="{AE23B86A-D980-5B06-4760-5BE7E74E33B5}"/>
               </a:ext>
             </a:extLst>
           </p:cNvPr>
@@ -1659,7 +1659,7 @@
           <p:cNvPr id="5" name="文本占位符 4">
             <a:extLst>
               <a:ext uri="{FF2B5EF4-FFF2-40B4-BE49-F238E27FC236}">
-                <a16:creationId xmlns:a16="http://schemas.microsoft.com/office/drawing/2014/main" id="{149D75A5-4053-28B1-C4D3-D6D0E433045D}"/>
+                <a16:creationId xmlns:a16="http://schemas.microsoft.com/office/drawing/2014/main" id="{F451B54F-47BD-9837-A321-D7C6AA9B8DC3}"/>
               </a:ext>
             </a:extLst>
           </p:cNvPr>
@@ -1730,7 +1730,7 @@
           <p:cNvPr id="6" name="内容占位符 5">
             <a:extLst>
               <a:ext uri="{FF2B5EF4-FFF2-40B4-BE49-F238E27FC236}">
-                <a16:creationId xmlns:a16="http://schemas.microsoft.com/office/drawing/2014/main" id="{5DB086BA-529F-0A81-8A56-4D4B2C20DCBD}"/>
+                <a16:creationId xmlns:a16="http://schemas.microsoft.com/office/drawing/2014/main" id="{A76B7DFE-67D4-9A76-D89B-82393ED3CF9F}"/>
               </a:ext>
             </a:extLst>
           </p:cNvPr>
@@ -1792,7 +1792,7 @@
           <p:cNvPr id="7" name="日期占位符 6">
             <a:extLst>
               <a:ext uri="{FF2B5EF4-FFF2-40B4-BE49-F238E27FC236}">
-                <a16:creationId xmlns:a16="http://schemas.microsoft.com/office/drawing/2014/main" id="{6247E820-B1A4-2D48-3F72-9FBB9DF7967E}"/>
+                <a16:creationId xmlns:a16="http://schemas.microsoft.com/office/drawing/2014/main" id="{FD7C144E-2D56-BF19-1E93-C0EA2A8B6794}"/>
               </a:ext>
             </a:extLst>
           </p:cNvPr>
@@ -1808,7 +1808,7 @@
           <a:bodyPr/>
           <a:lstStyle/>
           <a:p>
-            <a:fld id="{6FF87839-4903-457B-B289-4D3DF7036218}" type="datetimeFigureOut">
+            <a:fld id="{B7B7556A-6764-4BAE-A0F0-2035F0CA0E24}" type="datetimeFigureOut">
               <a:rPr lang="zh-CN" altLang="en-US" smtClean="0"/>
               <a:t>2024/3/10</a:t>
             </a:fld>
@@ -1821,7 +1821,7 @@
           <p:cNvPr id="8" name="页脚占位符 7">
             <a:extLst>
               <a:ext uri="{FF2B5EF4-FFF2-40B4-BE49-F238E27FC236}">
-                <a16:creationId xmlns:a16="http://schemas.microsoft.com/office/drawing/2014/main" id="{B08B6BDB-678A-1B74-CC85-DCEF46CBF38B}"/>
+                <a16:creationId xmlns:a16="http://schemas.microsoft.com/office/drawing/2014/main" id="{59AB55DA-3206-1841-0464-48FF70856464}"/>
               </a:ext>
             </a:extLst>
           </p:cNvPr>
@@ -1846,7 +1846,7 @@
           <p:cNvPr id="9" name="灯片编号占位符 8">
             <a:extLst>
               <a:ext uri="{FF2B5EF4-FFF2-40B4-BE49-F238E27FC236}">
-                <a16:creationId xmlns:a16="http://schemas.microsoft.com/office/drawing/2014/main" id="{B233A956-2C3E-2BF7-ED95-0116E2661AB4}"/>
+                <a16:creationId xmlns:a16="http://schemas.microsoft.com/office/drawing/2014/main" id="{B1A04C65-5EF7-8D38-F681-91579A4AC16F}"/>
               </a:ext>
             </a:extLst>
           </p:cNvPr>
@@ -1862,7 +1862,7 @@
           <a:bodyPr/>
           <a:lstStyle/>
           <a:p>
-            <a:fld id="{70DBA643-0F0A-45C7-9238-C98C9D21A448}" type="slidenum">
+            <a:fld id="{AC690AA7-5815-4FD6-8C21-071DE19DEE55}" type="slidenum">
               <a:rPr lang="zh-CN" altLang="en-US" smtClean="0"/>
               <a:t>‹#›</a:t>
             </a:fld>
@@ -1873,7 +1873,7 @@
     </p:spTree>
     <p:extLst>
       <p:ext uri="{BB962C8B-B14F-4D97-AF65-F5344CB8AC3E}">
-        <p14:creationId xmlns:p14="http://schemas.microsoft.com/office/powerpoint/2010/main" val="4238102697"/>
+        <p14:creationId xmlns:p14="http://schemas.microsoft.com/office/powerpoint/2010/main" val="2286813286"/>
       </p:ext>
     </p:extLst>
   </p:cSld>
@@ -1905,7 +1905,7 @@
           <p:cNvPr id="2" name="标题 1">
             <a:extLst>
               <a:ext uri="{FF2B5EF4-FFF2-40B4-BE49-F238E27FC236}">
-                <a16:creationId xmlns:a16="http://schemas.microsoft.com/office/drawing/2014/main" id="{A42DC0AC-6189-3948-B960-70CDACEF3628}"/>
+                <a16:creationId xmlns:a16="http://schemas.microsoft.com/office/drawing/2014/main" id="{7D6471D4-15D9-4C28-F21E-515004DA12AA}"/>
               </a:ext>
             </a:extLst>
           </p:cNvPr>
@@ -1933,7 +1933,7 @@
           <p:cNvPr id="3" name="日期占位符 2">
             <a:extLst>
               <a:ext uri="{FF2B5EF4-FFF2-40B4-BE49-F238E27FC236}">
-                <a16:creationId xmlns:a16="http://schemas.microsoft.com/office/drawing/2014/main" id="{E739E4E8-8AB4-6856-E2DF-18ABF774320B}"/>
+                <a16:creationId xmlns:a16="http://schemas.microsoft.com/office/drawing/2014/main" id="{D65E9238-0ED5-F071-6AA8-98D61AC7815D}"/>
               </a:ext>
             </a:extLst>
           </p:cNvPr>
@@ -1949,7 +1949,7 @@
           <a:bodyPr/>
           <a:lstStyle/>
           <a:p>
-            <a:fld id="{6FF87839-4903-457B-B289-4D3DF7036218}" type="datetimeFigureOut">
+            <a:fld id="{B7B7556A-6764-4BAE-A0F0-2035F0CA0E24}" type="datetimeFigureOut">
               <a:rPr lang="zh-CN" altLang="en-US" smtClean="0"/>
               <a:t>2024/3/10</a:t>
             </a:fld>
@@ -1962,7 +1962,7 @@
           <p:cNvPr id="4" name="页脚占位符 3">
             <a:extLst>
               <a:ext uri="{FF2B5EF4-FFF2-40B4-BE49-F238E27FC236}">
-                <a16:creationId xmlns:a16="http://schemas.microsoft.com/office/drawing/2014/main" id="{A449F941-C225-1045-8254-857EC0DFDA23}"/>
+                <a16:creationId xmlns:a16="http://schemas.microsoft.com/office/drawing/2014/main" id="{BAEB5753-3E69-61EE-3FE1-6682884004EA}"/>
               </a:ext>
             </a:extLst>
           </p:cNvPr>
@@ -1987,7 +1987,7 @@
           <p:cNvPr id="5" name="灯片编号占位符 4">
             <a:extLst>
               <a:ext uri="{FF2B5EF4-FFF2-40B4-BE49-F238E27FC236}">
-                <a16:creationId xmlns:a16="http://schemas.microsoft.com/office/drawing/2014/main" id="{A0C9BC05-231E-8A5F-1C04-C39E6F2E1FCD}"/>
+                <a16:creationId xmlns:a16="http://schemas.microsoft.com/office/drawing/2014/main" id="{77ED7F99-CAF9-3FAD-C735-83EE47902BF0}"/>
               </a:ext>
             </a:extLst>
           </p:cNvPr>
@@ -2003,7 +2003,7 @@
           <a:bodyPr/>
           <a:lstStyle/>
           <a:p>
-            <a:fld id="{70DBA643-0F0A-45C7-9238-C98C9D21A448}" type="slidenum">
+            <a:fld id="{AC690AA7-5815-4FD6-8C21-071DE19DEE55}" type="slidenum">
               <a:rPr lang="zh-CN" altLang="en-US" smtClean="0"/>
               <a:t>‹#›</a:t>
             </a:fld>
@@ -2014,7 +2014,7 @@
     </p:spTree>
     <p:extLst>
       <p:ext uri="{BB962C8B-B14F-4D97-AF65-F5344CB8AC3E}">
-        <p14:creationId xmlns:p14="http://schemas.microsoft.com/office/powerpoint/2010/main" val="1774971415"/>
+        <p14:creationId xmlns:p14="http://schemas.microsoft.com/office/powerpoint/2010/main" val="128631002"/>
       </p:ext>
     </p:extLst>
   </p:cSld>
@@ -2046,7 +2046,7 @@
           <p:cNvPr id="2" name="日期占位符 1">
             <a:extLst>
               <a:ext uri="{FF2B5EF4-FFF2-40B4-BE49-F238E27FC236}">
-                <a16:creationId xmlns:a16="http://schemas.microsoft.com/office/drawing/2014/main" id="{0587C069-02C4-8DEC-B7C1-185231E0A522}"/>
+                <a16:creationId xmlns:a16="http://schemas.microsoft.com/office/drawing/2014/main" id="{75B49AD3-D053-12B8-626F-CB8D9846B86C}"/>
               </a:ext>
             </a:extLst>
           </p:cNvPr>
@@ -2062,7 +2062,7 @@
           <a:bodyPr/>
           <a:lstStyle/>
           <a:p>
-            <a:fld id="{6FF87839-4903-457B-B289-4D3DF7036218}" type="datetimeFigureOut">
+            <a:fld id="{B7B7556A-6764-4BAE-A0F0-2035F0CA0E24}" type="datetimeFigureOut">
               <a:rPr lang="zh-CN" altLang="en-US" smtClean="0"/>
               <a:t>2024/3/10</a:t>
             </a:fld>
@@ -2075,7 +2075,7 @@
           <p:cNvPr id="3" name="页脚占位符 2">
             <a:extLst>
               <a:ext uri="{FF2B5EF4-FFF2-40B4-BE49-F238E27FC236}">
-                <a16:creationId xmlns:a16="http://schemas.microsoft.com/office/drawing/2014/main" id="{80B0E80C-4C58-0876-0C4F-D344488E0DF7}"/>
+                <a16:creationId xmlns:a16="http://schemas.microsoft.com/office/drawing/2014/main" id="{79E75142-9262-0A12-E703-EE775A7B6A12}"/>
               </a:ext>
             </a:extLst>
           </p:cNvPr>
@@ -2100,7 +2100,7 @@
           <p:cNvPr id="4" name="灯片编号占位符 3">
             <a:extLst>
               <a:ext uri="{FF2B5EF4-FFF2-40B4-BE49-F238E27FC236}">
-                <a16:creationId xmlns:a16="http://schemas.microsoft.com/office/drawing/2014/main" id="{21D8384D-F0BD-199C-9F23-ED11E88DF716}"/>
+                <a16:creationId xmlns:a16="http://schemas.microsoft.com/office/drawing/2014/main" id="{C714944C-C191-FF84-1577-055668699C03}"/>
               </a:ext>
             </a:extLst>
           </p:cNvPr>
@@ -2116,7 +2116,7 @@
           <a:bodyPr/>
           <a:lstStyle/>
           <a:p>
-            <a:fld id="{70DBA643-0F0A-45C7-9238-C98C9D21A448}" type="slidenum">
+            <a:fld id="{AC690AA7-5815-4FD6-8C21-071DE19DEE55}" type="slidenum">
               <a:rPr lang="zh-CN" altLang="en-US" smtClean="0"/>
               <a:t>‹#›</a:t>
             </a:fld>
@@ -2127,7 +2127,7 @@
     </p:spTree>
     <p:extLst>
       <p:ext uri="{BB962C8B-B14F-4D97-AF65-F5344CB8AC3E}">
-        <p14:creationId xmlns:p14="http://schemas.microsoft.com/office/powerpoint/2010/main" val="1363511646"/>
+        <p14:creationId xmlns:p14="http://schemas.microsoft.com/office/powerpoint/2010/main" val="1873242830"/>
       </p:ext>
     </p:extLst>
   </p:cSld>
@@ -2159,7 +2159,7 @@
           <p:cNvPr id="2" name="标题 1">
             <a:extLst>
               <a:ext uri="{FF2B5EF4-FFF2-40B4-BE49-F238E27FC236}">
-                <a16:creationId xmlns:a16="http://schemas.microsoft.com/office/drawing/2014/main" id="{23A9048E-4E66-F6D6-2B00-760D142739E8}"/>
+                <a16:creationId xmlns:a16="http://schemas.microsoft.com/office/drawing/2014/main" id="{6F7CDD70-691F-29C4-442E-AE985502DC67}"/>
               </a:ext>
             </a:extLst>
           </p:cNvPr>
@@ -2196,7 +2196,7 @@
           <p:cNvPr id="3" name="内容占位符 2">
             <a:extLst>
               <a:ext uri="{FF2B5EF4-FFF2-40B4-BE49-F238E27FC236}">
-                <a16:creationId xmlns:a16="http://schemas.microsoft.com/office/drawing/2014/main" id="{D95922EE-A834-5FFF-6674-1DFE00808FE1}"/>
+                <a16:creationId xmlns:a16="http://schemas.microsoft.com/office/drawing/2014/main" id="{8234A806-FF30-6D21-8E1C-8A0134AF73A8}"/>
               </a:ext>
             </a:extLst>
           </p:cNvPr>
@@ -2286,7 +2286,7 @@
           <p:cNvPr id="4" name="文本占位符 3">
             <a:extLst>
               <a:ext uri="{FF2B5EF4-FFF2-40B4-BE49-F238E27FC236}">
-                <a16:creationId xmlns:a16="http://schemas.microsoft.com/office/drawing/2014/main" id="{86D72943-C3CB-1909-CB3B-2B916F393A44}"/>
+                <a16:creationId xmlns:a16="http://schemas.microsoft.com/office/drawing/2014/main" id="{16D65261-979D-1552-2B0E-D19CB64B93C2}"/>
               </a:ext>
             </a:extLst>
           </p:cNvPr>
@@ -2357,7 +2357,7 @@
           <p:cNvPr id="5" name="日期占位符 4">
             <a:extLst>
               <a:ext uri="{FF2B5EF4-FFF2-40B4-BE49-F238E27FC236}">
-                <a16:creationId xmlns:a16="http://schemas.microsoft.com/office/drawing/2014/main" id="{D8839C57-883E-B382-B383-9E7E2D54C1FC}"/>
+                <a16:creationId xmlns:a16="http://schemas.microsoft.com/office/drawing/2014/main" id="{61347115-EE13-4B6B-537A-36BE0971DA2F}"/>
               </a:ext>
             </a:extLst>
           </p:cNvPr>
@@ -2373,7 +2373,7 @@
           <a:bodyPr/>
           <a:lstStyle/>
           <a:p>
-            <a:fld id="{6FF87839-4903-457B-B289-4D3DF7036218}" type="datetimeFigureOut">
+            <a:fld id="{B7B7556A-6764-4BAE-A0F0-2035F0CA0E24}" type="datetimeFigureOut">
               <a:rPr lang="zh-CN" altLang="en-US" smtClean="0"/>
               <a:t>2024/3/10</a:t>
             </a:fld>
@@ -2386,7 +2386,7 @@
           <p:cNvPr id="6" name="页脚占位符 5">
             <a:extLst>
               <a:ext uri="{FF2B5EF4-FFF2-40B4-BE49-F238E27FC236}">
-                <a16:creationId xmlns:a16="http://schemas.microsoft.com/office/drawing/2014/main" id="{7B06CC73-E3D7-594E-996A-1B6465C0D00D}"/>
+                <a16:creationId xmlns:a16="http://schemas.microsoft.com/office/drawing/2014/main" id="{14B36B05-2221-7D92-69A2-A695D76B2A94}"/>
               </a:ext>
             </a:extLst>
           </p:cNvPr>
@@ -2411,7 +2411,7 @@
           <p:cNvPr id="7" name="灯片编号占位符 6">
             <a:extLst>
               <a:ext uri="{FF2B5EF4-FFF2-40B4-BE49-F238E27FC236}">
-                <a16:creationId xmlns:a16="http://schemas.microsoft.com/office/drawing/2014/main" id="{CA8A2571-C2CC-7E14-0F69-4D6703EB5625}"/>
+                <a16:creationId xmlns:a16="http://schemas.microsoft.com/office/drawing/2014/main" id="{2D3452BD-1349-0029-9D20-5C67B98B37A0}"/>
               </a:ext>
             </a:extLst>
           </p:cNvPr>
@@ -2427,7 +2427,7 @@
           <a:bodyPr/>
           <a:lstStyle/>
           <a:p>
-            <a:fld id="{70DBA643-0F0A-45C7-9238-C98C9D21A448}" type="slidenum">
+            <a:fld id="{AC690AA7-5815-4FD6-8C21-071DE19DEE55}" type="slidenum">
               <a:rPr lang="zh-CN" altLang="en-US" smtClean="0"/>
               <a:t>‹#›</a:t>
             </a:fld>
@@ -2438,7 +2438,7 @@
     </p:spTree>
     <p:extLst>
       <p:ext uri="{BB962C8B-B14F-4D97-AF65-F5344CB8AC3E}">
-        <p14:creationId xmlns:p14="http://schemas.microsoft.com/office/powerpoint/2010/main" val="2098096469"/>
+        <p14:creationId xmlns:p14="http://schemas.microsoft.com/office/powerpoint/2010/main" val="1298490369"/>
       </p:ext>
     </p:extLst>
   </p:cSld>
@@ -2470,7 +2470,7 @@
           <p:cNvPr id="2" name="标题 1">
             <a:extLst>
               <a:ext uri="{FF2B5EF4-FFF2-40B4-BE49-F238E27FC236}">
-                <a16:creationId xmlns:a16="http://schemas.microsoft.com/office/drawing/2014/main" id="{44A06D18-3979-6E32-D975-A2BE8BC40733}"/>
+                <a16:creationId xmlns:a16="http://schemas.microsoft.com/office/drawing/2014/main" id="{F8676FA7-7311-F6A7-6E16-339BE5D5BAA8}"/>
               </a:ext>
             </a:extLst>
           </p:cNvPr>
@@ -2507,7 +2507,7 @@
           <p:cNvPr id="3" name="图片占位符 2">
             <a:extLst>
               <a:ext uri="{FF2B5EF4-FFF2-40B4-BE49-F238E27FC236}">
-                <a16:creationId xmlns:a16="http://schemas.microsoft.com/office/drawing/2014/main" id="{A9C9FECE-F2EF-9A89-BE60-39C3C6851C9A}"/>
+                <a16:creationId xmlns:a16="http://schemas.microsoft.com/office/drawing/2014/main" id="{90BBCD57-93A3-E951-9B0A-A4AB6FBC126A}"/>
               </a:ext>
             </a:extLst>
           </p:cNvPr>
@@ -2574,7 +2574,7 @@
           <p:cNvPr id="4" name="文本占位符 3">
             <a:extLst>
               <a:ext uri="{FF2B5EF4-FFF2-40B4-BE49-F238E27FC236}">
-                <a16:creationId xmlns:a16="http://schemas.microsoft.com/office/drawing/2014/main" id="{99C432B0-34D3-D5E4-5C5E-156683A54C01}"/>
+                <a16:creationId xmlns:a16="http://schemas.microsoft.com/office/drawing/2014/main" id="{82D9521C-2BDC-192A-6007-36205E88E8D1}"/>
               </a:ext>
             </a:extLst>
           </p:cNvPr>
@@ -2645,7 +2645,7 @@
           <p:cNvPr id="5" name="日期占位符 4">
             <a:extLst>
               <a:ext uri="{FF2B5EF4-FFF2-40B4-BE49-F238E27FC236}">
-                <a16:creationId xmlns:a16="http://schemas.microsoft.com/office/drawing/2014/main" id="{02F83281-96C0-84FC-B4E6-1ED797F09285}"/>
+                <a16:creationId xmlns:a16="http://schemas.microsoft.com/office/drawing/2014/main" id="{AAFE12B7-44B6-80C6-9EB1-190D883892D4}"/>
               </a:ext>
             </a:extLst>
           </p:cNvPr>
@@ -2661,7 +2661,7 @@
           <a:bodyPr/>
           <a:lstStyle/>
           <a:p>
-            <a:fld id="{6FF87839-4903-457B-B289-4D3DF7036218}" type="datetimeFigureOut">
+            <a:fld id="{B7B7556A-6764-4BAE-A0F0-2035F0CA0E24}" type="datetimeFigureOut">
               <a:rPr lang="zh-CN" altLang="en-US" smtClean="0"/>
               <a:t>2024/3/10</a:t>
             </a:fld>
@@ -2674,7 +2674,7 @@
           <p:cNvPr id="6" name="页脚占位符 5">
             <a:extLst>
               <a:ext uri="{FF2B5EF4-FFF2-40B4-BE49-F238E27FC236}">
-                <a16:creationId xmlns:a16="http://schemas.microsoft.com/office/drawing/2014/main" id="{3F7CBA85-BF77-C7B4-F982-8FE86D8BC163}"/>
+                <a16:creationId xmlns:a16="http://schemas.microsoft.com/office/drawing/2014/main" id="{6092228E-0A7D-AC60-32A5-CC8968691AA7}"/>
               </a:ext>
             </a:extLst>
           </p:cNvPr>
@@ -2699,7 +2699,7 @@
           <p:cNvPr id="7" name="灯片编号占位符 6">
             <a:extLst>
               <a:ext uri="{FF2B5EF4-FFF2-40B4-BE49-F238E27FC236}">
-                <a16:creationId xmlns:a16="http://schemas.microsoft.com/office/drawing/2014/main" id="{3BDC6BCF-9F72-275A-D89F-54C794A36017}"/>
+                <a16:creationId xmlns:a16="http://schemas.microsoft.com/office/drawing/2014/main" id="{FD4F7B9B-5FC8-CE0D-443E-990D9D2BF019}"/>
               </a:ext>
             </a:extLst>
           </p:cNvPr>
@@ -2715,7 +2715,7 @@
           <a:bodyPr/>
           <a:lstStyle/>
           <a:p>
-            <a:fld id="{70DBA643-0F0A-45C7-9238-C98C9D21A448}" type="slidenum">
+            <a:fld id="{AC690AA7-5815-4FD6-8C21-071DE19DEE55}" type="slidenum">
               <a:rPr lang="zh-CN" altLang="en-US" smtClean="0"/>
               <a:t>‹#›</a:t>
             </a:fld>
@@ -2726,7 +2726,7 @@
     </p:spTree>
     <p:extLst>
       <p:ext uri="{BB962C8B-B14F-4D97-AF65-F5344CB8AC3E}">
-        <p14:creationId xmlns:p14="http://schemas.microsoft.com/office/powerpoint/2010/main" val="2455869622"/>
+        <p14:creationId xmlns:p14="http://schemas.microsoft.com/office/powerpoint/2010/main" val="1272482378"/>
       </p:ext>
     </p:extLst>
   </p:cSld>
@@ -2763,7 +2763,7 @@
           <p:cNvPr id="2" name="标题占位符 1">
             <a:extLst>
               <a:ext uri="{FF2B5EF4-FFF2-40B4-BE49-F238E27FC236}">
-                <a16:creationId xmlns:a16="http://schemas.microsoft.com/office/drawing/2014/main" id="{6B98A11B-7C91-5B3E-CF62-D97774A8A22E}"/>
+                <a16:creationId xmlns:a16="http://schemas.microsoft.com/office/drawing/2014/main" id="{BD6AF83D-1038-ACFD-8475-9577781CED81}"/>
               </a:ext>
             </a:extLst>
           </p:cNvPr>
@@ -2801,7 +2801,7 @@
           <p:cNvPr id="3" name="文本占位符 2">
             <a:extLst>
               <a:ext uri="{FF2B5EF4-FFF2-40B4-BE49-F238E27FC236}">
-                <a16:creationId xmlns:a16="http://schemas.microsoft.com/office/drawing/2014/main" id="{9BCE10AE-FA75-766A-E792-4DBF836ED453}"/>
+                <a16:creationId xmlns:a16="http://schemas.microsoft.com/office/drawing/2014/main" id="{B36C9919-74D2-9833-ECAE-4BC1BF961AFD}"/>
               </a:ext>
             </a:extLst>
           </p:cNvPr>
@@ -2868,7 +2868,7 @@
           <p:cNvPr id="4" name="日期占位符 3">
             <a:extLst>
               <a:ext uri="{FF2B5EF4-FFF2-40B4-BE49-F238E27FC236}">
-                <a16:creationId xmlns:a16="http://schemas.microsoft.com/office/drawing/2014/main" id="{891AD265-5C21-C190-07D8-ADBEC13F92B0}"/>
+                <a16:creationId xmlns:a16="http://schemas.microsoft.com/office/drawing/2014/main" id="{AB5AAF7E-6A49-69A5-2015-CD8F67ECE785}"/>
               </a:ext>
             </a:extLst>
           </p:cNvPr>
@@ -2902,7 +2902,7 @@
             </a:lvl1pPr>
           </a:lstStyle>
           <a:p>
-            <a:fld id="{6FF87839-4903-457B-B289-4D3DF7036218}" type="datetimeFigureOut">
+            <a:fld id="{B7B7556A-6764-4BAE-A0F0-2035F0CA0E24}" type="datetimeFigureOut">
               <a:rPr lang="zh-CN" altLang="en-US" smtClean="0"/>
               <a:t>2024/3/10</a:t>
             </a:fld>
@@ -2915,7 +2915,7 @@
           <p:cNvPr id="5" name="页脚占位符 4">
             <a:extLst>
               <a:ext uri="{FF2B5EF4-FFF2-40B4-BE49-F238E27FC236}">
-                <a16:creationId xmlns:a16="http://schemas.microsoft.com/office/drawing/2014/main" id="{42BE5214-8FD4-7201-7C9A-9EA97E092B63}"/>
+                <a16:creationId xmlns:a16="http://schemas.microsoft.com/office/drawing/2014/main" id="{9A83928E-DF3C-946B-DF7F-44D2EC15B39D}"/>
               </a:ext>
             </a:extLst>
           </p:cNvPr>
@@ -2958,7 +2958,7 @@
           <p:cNvPr id="6" name="灯片编号占位符 5">
             <a:extLst>
               <a:ext uri="{FF2B5EF4-FFF2-40B4-BE49-F238E27FC236}">
-                <a16:creationId xmlns:a16="http://schemas.microsoft.com/office/drawing/2014/main" id="{3342A4CE-5A0D-3995-EC38-5DFB36119163}"/>
+                <a16:creationId xmlns:a16="http://schemas.microsoft.com/office/drawing/2014/main" id="{FE6D199D-E9AB-2054-B001-A390E5179E02}"/>
               </a:ext>
             </a:extLst>
           </p:cNvPr>
@@ -2992,7 +2992,7 @@
             </a:lvl1pPr>
           </a:lstStyle>
           <a:p>
-            <a:fld id="{70DBA643-0F0A-45C7-9238-C98C9D21A448}" type="slidenum">
+            <a:fld id="{AC690AA7-5815-4FD6-8C21-071DE19DEE55}" type="slidenum">
               <a:rPr lang="zh-CN" altLang="en-US" smtClean="0"/>
               <a:t>‹#›</a:t>
             </a:fld>
@@ -3003,7 +3003,7 @@
     </p:spTree>
     <p:extLst>
       <p:ext uri="{BB962C8B-B14F-4D97-AF65-F5344CB8AC3E}">
-        <p14:creationId xmlns:p14="http://schemas.microsoft.com/office/powerpoint/2010/main" val="377724380"/>
+        <p14:creationId xmlns:p14="http://schemas.microsoft.com/office/powerpoint/2010/main" val="2318188449"/>
       </p:ext>
     </p:extLst>
   </p:cSld>
